--- a/UiMaking.pptx
+++ b/UiMaking.pptx
@@ -286,7 +286,7 @@
           <a:p>
             <a:fld id="{587BFD8D-D5A4-4238-AE0F-60DDADA3BB4E}" type="datetimeFigureOut">
               <a:rPr lang="zh-CN" altLang="en-US" smtClean="0"/>
-              <a:t>2017/11/16</a:t>
+              <a:t>2017/11/17</a:t>
             </a:fld>
             <a:endParaRPr lang="zh-CN" altLang="en-US"/>
           </a:p>
@@ -466,7 +466,7 @@
           <a:p>
             <a:fld id="{587BFD8D-D5A4-4238-AE0F-60DDADA3BB4E}" type="datetimeFigureOut">
               <a:rPr lang="zh-CN" altLang="en-US" smtClean="0"/>
-              <a:t>2017/11/16</a:t>
+              <a:t>2017/11/17</a:t>
             </a:fld>
             <a:endParaRPr lang="zh-CN" altLang="en-US"/>
           </a:p>
@@ -636,7 +636,7 @@
           <a:p>
             <a:fld id="{587BFD8D-D5A4-4238-AE0F-60DDADA3BB4E}" type="datetimeFigureOut">
               <a:rPr lang="zh-CN" altLang="en-US" smtClean="0"/>
-              <a:t>2017/11/16</a:t>
+              <a:t>2017/11/17</a:t>
             </a:fld>
             <a:endParaRPr lang="zh-CN" altLang="en-US"/>
           </a:p>
@@ -1153,7 +1153,7 @@
           <a:p>
             <a:fld id="{587BFD8D-D5A4-4238-AE0F-60DDADA3BB4E}" type="datetimeFigureOut">
               <a:rPr lang="zh-CN" altLang="en-US" smtClean="0"/>
-              <a:t>2017/11/16</a:t>
+              <a:t>2017/11/17</a:t>
             </a:fld>
             <a:endParaRPr lang="zh-CN" altLang="en-US"/>
           </a:p>
@@ -1271,7 +1271,7 @@
           <a:p>
             <a:fld id="{587BFD8D-D5A4-4238-AE0F-60DDADA3BB4E}" type="datetimeFigureOut">
               <a:rPr lang="zh-CN" altLang="en-US" smtClean="0"/>
-              <a:t>2017/11/16</a:t>
+              <a:t>2017/11/17</a:t>
             </a:fld>
             <a:endParaRPr lang="zh-CN" altLang="en-US"/>
           </a:p>
@@ -1366,7 +1366,7 @@
           <a:p>
             <a:fld id="{587BFD8D-D5A4-4238-AE0F-60DDADA3BB4E}" type="datetimeFigureOut">
               <a:rPr lang="zh-CN" altLang="en-US" smtClean="0"/>
-              <a:t>2017/11/16</a:t>
+              <a:t>2017/11/17</a:t>
             </a:fld>
             <a:endParaRPr lang="zh-CN" altLang="en-US"/>
           </a:p>
@@ -1643,7 +1643,7 @@
           <a:p>
             <a:fld id="{587BFD8D-D5A4-4238-AE0F-60DDADA3BB4E}" type="datetimeFigureOut">
               <a:rPr lang="zh-CN" altLang="en-US" smtClean="0"/>
-              <a:t>2017/11/16</a:t>
+              <a:t>2017/11/17</a:t>
             </a:fld>
             <a:endParaRPr lang="zh-CN" altLang="en-US"/>
           </a:p>
@@ -1896,7 +1896,7 @@
           <a:p>
             <a:fld id="{587BFD8D-D5A4-4238-AE0F-60DDADA3BB4E}" type="datetimeFigureOut">
               <a:rPr lang="zh-CN" altLang="en-US" smtClean="0"/>
-              <a:t>2017/11/16</a:t>
+              <a:t>2017/11/17</a:t>
             </a:fld>
             <a:endParaRPr lang="zh-CN" altLang="en-US"/>
           </a:p>
@@ -2109,7 +2109,7 @@
           <a:p>
             <a:fld id="{587BFD8D-D5A4-4238-AE0F-60DDADA3BB4E}" type="datetimeFigureOut">
               <a:rPr lang="zh-CN" altLang="en-US" smtClean="0"/>
-              <a:t>2017/11/16</a:t>
+              <a:t>2017/11/17</a:t>
             </a:fld>
             <a:endParaRPr lang="zh-CN" altLang="en-US"/>
           </a:p>
@@ -7737,8 +7737,8 @@
         </p:blipFill>
         <p:spPr>
           <a:xfrm>
-            <a:off x="0" y="1"/>
-            <a:ext cx="9144000" cy="6858000"/>
+            <a:off x="0" y="227409"/>
+            <a:ext cx="9144000" cy="6630592"/>
           </a:xfrm>
           <a:prstGeom prst="rect">
             <a:avLst/>

--- a/UiMaking.pptx
+++ b/UiMaking.pptx
@@ -286,7 +286,7 @@
           <a:p>
             <a:fld id="{587BFD8D-D5A4-4238-AE0F-60DDADA3BB4E}" type="datetimeFigureOut">
               <a:rPr lang="zh-CN" altLang="en-US" smtClean="0"/>
-              <a:t>2017/11/17</a:t>
+              <a:t>2017/11/18</a:t>
             </a:fld>
             <a:endParaRPr lang="zh-CN" altLang="en-US"/>
           </a:p>
@@ -466,7 +466,7 @@
           <a:p>
             <a:fld id="{587BFD8D-D5A4-4238-AE0F-60DDADA3BB4E}" type="datetimeFigureOut">
               <a:rPr lang="zh-CN" altLang="en-US" smtClean="0"/>
-              <a:t>2017/11/17</a:t>
+              <a:t>2017/11/18</a:t>
             </a:fld>
             <a:endParaRPr lang="zh-CN" altLang="en-US"/>
           </a:p>
@@ -636,7 +636,7 @@
           <a:p>
             <a:fld id="{587BFD8D-D5A4-4238-AE0F-60DDADA3BB4E}" type="datetimeFigureOut">
               <a:rPr lang="zh-CN" altLang="en-US" smtClean="0"/>
-              <a:t>2017/11/17</a:t>
+              <a:t>2017/11/18</a:t>
             </a:fld>
             <a:endParaRPr lang="zh-CN" altLang="en-US"/>
           </a:p>
@@ -1153,7 +1153,7 @@
           <a:p>
             <a:fld id="{587BFD8D-D5A4-4238-AE0F-60DDADA3BB4E}" type="datetimeFigureOut">
               <a:rPr lang="zh-CN" altLang="en-US" smtClean="0"/>
-              <a:t>2017/11/17</a:t>
+              <a:t>2017/11/18</a:t>
             </a:fld>
             <a:endParaRPr lang="zh-CN" altLang="en-US"/>
           </a:p>
@@ -1271,7 +1271,7 @@
           <a:p>
             <a:fld id="{587BFD8D-D5A4-4238-AE0F-60DDADA3BB4E}" type="datetimeFigureOut">
               <a:rPr lang="zh-CN" altLang="en-US" smtClean="0"/>
-              <a:t>2017/11/17</a:t>
+              <a:t>2017/11/18</a:t>
             </a:fld>
             <a:endParaRPr lang="zh-CN" altLang="en-US"/>
           </a:p>
@@ -1366,7 +1366,7 @@
           <a:p>
             <a:fld id="{587BFD8D-D5A4-4238-AE0F-60DDADA3BB4E}" type="datetimeFigureOut">
               <a:rPr lang="zh-CN" altLang="en-US" smtClean="0"/>
-              <a:t>2017/11/17</a:t>
+              <a:t>2017/11/18</a:t>
             </a:fld>
             <a:endParaRPr lang="zh-CN" altLang="en-US"/>
           </a:p>
@@ -1643,7 +1643,7 @@
           <a:p>
             <a:fld id="{587BFD8D-D5A4-4238-AE0F-60DDADA3BB4E}" type="datetimeFigureOut">
               <a:rPr lang="zh-CN" altLang="en-US" smtClean="0"/>
-              <a:t>2017/11/17</a:t>
+              <a:t>2017/11/18</a:t>
             </a:fld>
             <a:endParaRPr lang="zh-CN" altLang="en-US"/>
           </a:p>
@@ -1896,7 +1896,7 @@
           <a:p>
             <a:fld id="{587BFD8D-D5A4-4238-AE0F-60DDADA3BB4E}" type="datetimeFigureOut">
               <a:rPr lang="zh-CN" altLang="en-US" smtClean="0"/>
-              <a:t>2017/11/17</a:t>
+              <a:t>2017/11/18</a:t>
             </a:fld>
             <a:endParaRPr lang="zh-CN" altLang="en-US"/>
           </a:p>
@@ -2109,7 +2109,7 @@
           <a:p>
             <a:fld id="{587BFD8D-D5A4-4238-AE0F-60DDADA3BB4E}" type="datetimeFigureOut">
               <a:rPr lang="zh-CN" altLang="en-US" smtClean="0"/>
-              <a:t>2017/11/17</a:t>
+              <a:t>2017/11/18</a:t>
             </a:fld>
             <a:endParaRPr lang="zh-CN" altLang="en-US"/>
           </a:p>
@@ -7737,7 +7737,7 @@
         </p:blipFill>
         <p:spPr>
           <a:xfrm>
-            <a:off x="0" y="227409"/>
+            <a:off x="0" y="227408"/>
             <a:ext cx="9144000" cy="6630592"/>
           </a:xfrm>
           <a:prstGeom prst="rect">
@@ -7754,7 +7754,7 @@
         <p:spPr>
           <a:xfrm>
             <a:off x="7257391" y="829603"/>
-            <a:ext cx="1845733" cy="2572276"/>
+            <a:ext cx="1845733" cy="4207346"/>
           </a:xfrm>
           <a:prstGeom prst="rect">
             <a:avLst/>
@@ -7799,8 +7799,8 @@
         </p:nvSpPr>
         <p:spPr>
           <a:xfrm>
-            <a:off x="5204274" y="227409"/>
-            <a:ext cx="1495671" cy="414035"/>
+            <a:off x="5450766" y="289844"/>
+            <a:ext cx="918880" cy="312450"/>
           </a:xfrm>
           <a:prstGeom prst="rect">
             <a:avLst/>
@@ -7811,6 +7811,11 @@
               <a:lumOff val="80000"/>
             </a:schemeClr>
           </a:solidFill>
+          <a:ln>
+            <a:solidFill>
+              <a:schemeClr val="tx1"/>
+            </a:solidFill>
+          </a:ln>
         </p:spPr>
         <p:style>
           <a:lnRef idx="2">
@@ -8027,7 +8032,7 @@
         </p:blipFill>
         <p:spPr>
           <a:xfrm rot="16200000" flipH="1">
-            <a:off x="6342077" y="272426"/>
+            <a:off x="6342077" y="289844"/>
             <a:ext cx="324000" cy="324000"/>
           </a:xfrm>
           <a:prstGeom prst="rect">
@@ -8057,7 +8062,7 @@
         </p:blipFill>
         <p:spPr>
           <a:xfrm rot="5400000">
-            <a:off x="5231274" y="260875"/>
+            <a:off x="5152893" y="278293"/>
             <a:ext cx="324000" cy="324000"/>
           </a:xfrm>
           <a:prstGeom prst="rect">
@@ -8400,6 +8405,14 @@
               </a:path>
             </a:pathLst>
           </a:custGeom>
+          <a:solidFill>
+            <a:srgbClr val="0070C0"/>
+          </a:solidFill>
+          <a:ln>
+            <a:solidFill>
+              <a:schemeClr val="tx1"/>
+            </a:solidFill>
+          </a:ln>
         </p:spPr>
         <p:style>
           <a:lnRef idx="2">
@@ -8437,11 +8450,11 @@
         <p:blipFill>
           <a:blip r:embed="rId5" cstate="print">
             <a:duotone>
-              <a:schemeClr val="accent1">
-                <a:shade val="45000"/>
-                <a:satMod val="135000"/>
+              <a:prstClr val="black"/>
+              <a:schemeClr val="tx2">
+                <a:tint val="45000"/>
+                <a:satMod val="400000"/>
               </a:schemeClr>
-              <a:prstClr val="white"/>
             </a:duotone>
             <a:extLst>
               <a:ext uri="{28A0092B-C50C-407E-A947-70E740481C1C}">
@@ -8474,11 +8487,11 @@
         <p:blipFill>
           <a:blip r:embed="rId5" cstate="print">
             <a:duotone>
-              <a:schemeClr val="accent1">
-                <a:shade val="45000"/>
-                <a:satMod val="135000"/>
+              <a:prstClr val="black"/>
+              <a:schemeClr val="tx2">
+                <a:tint val="45000"/>
+                <a:satMod val="400000"/>
               </a:schemeClr>
-              <a:prstClr val="white"/>
             </a:duotone>
             <a:extLst>
               <a:ext uri="{28A0092B-C50C-407E-A947-70E740481C1C}">
@@ -8686,13 +8699,7 @@
         </p:nvPicPr>
         <p:blipFill>
           <a:blip r:embed="rId6" cstate="print">
-            <a:duotone>
-              <a:prstClr val="black"/>
-              <a:schemeClr val="accent1">
-                <a:tint val="45000"/>
-                <a:satMod val="400000"/>
-              </a:schemeClr>
-            </a:duotone>
+            <a:biLevel thresh="50000"/>
             <a:extLst>
               <a:ext uri="{28A0092B-C50C-407E-A947-70E740481C1C}">
                 <a14:useLocalDpi xmlns:a14="http://schemas.microsoft.com/office/drawing/2010/main" val="0"/>
@@ -8769,13 +8776,7 @@
         </p:nvPicPr>
         <p:blipFill>
           <a:blip r:embed="rId7" cstate="print">
-            <a:duotone>
-              <a:prstClr val="black"/>
-              <a:schemeClr val="accent1">
-                <a:tint val="45000"/>
-                <a:satMod val="400000"/>
-              </a:schemeClr>
-            </a:duotone>
+            <a:biLevel thresh="50000"/>
             <a:extLst>
               <a:ext uri="{28A0092B-C50C-407E-A947-70E740481C1C}">
                 <a14:useLocalDpi xmlns:a14="http://schemas.microsoft.com/office/drawing/2010/main" val="0"/>
@@ -8842,6 +8843,237 @@
           </a:p>
         </p:txBody>
       </p:sp>
+      <p:sp>
+        <p:nvSpPr>
+          <p:cNvPr id="24" name="Rectangle 23"/>
+          <p:cNvSpPr/>
+          <p:nvPr/>
+        </p:nvSpPr>
+        <p:spPr>
+          <a:xfrm>
+            <a:off x="7719370" y="3458876"/>
+            <a:ext cx="1404000" cy="432000"/>
+          </a:xfrm>
+          <a:prstGeom prst="rect">
+            <a:avLst/>
+          </a:prstGeom>
+          <a:solidFill>
+            <a:schemeClr val="tx2">
+              <a:lumMod val="20000"/>
+              <a:lumOff val="80000"/>
+            </a:schemeClr>
+          </a:solidFill>
+        </p:spPr>
+        <p:style>
+          <a:lnRef idx="2">
+            <a:schemeClr val="accent1">
+              <a:shade val="50000"/>
+            </a:schemeClr>
+          </a:lnRef>
+          <a:fillRef idx="1">
+            <a:schemeClr val="accent1"/>
+          </a:fillRef>
+          <a:effectRef idx="0">
+            <a:schemeClr val="accent1"/>
+          </a:effectRef>
+          <a:fontRef idx="minor">
+            <a:schemeClr val="lt1"/>
+          </a:fontRef>
+        </p:style>
+        <p:txBody>
+          <a:bodyPr rtlCol="0" anchor="ctr"/>
+          <a:lstStyle/>
+          <a:p>
+            <a:pPr algn="ctr"/>
+            <a:endParaRPr lang="zh-CN" altLang="en-US" dirty="0"/>
+          </a:p>
+        </p:txBody>
+      </p:sp>
+      <p:sp>
+        <p:nvSpPr>
+          <p:cNvPr id="26" name="Rectangle 25"/>
+          <p:cNvSpPr/>
+          <p:nvPr/>
+        </p:nvSpPr>
+        <p:spPr>
+          <a:xfrm>
+            <a:off x="7720422" y="4004350"/>
+            <a:ext cx="1404000" cy="432000"/>
+          </a:xfrm>
+          <a:prstGeom prst="rect">
+            <a:avLst/>
+          </a:prstGeom>
+          <a:solidFill>
+            <a:schemeClr val="tx2">
+              <a:lumMod val="20000"/>
+              <a:lumOff val="80000"/>
+            </a:schemeClr>
+          </a:solidFill>
+        </p:spPr>
+        <p:style>
+          <a:lnRef idx="2">
+            <a:schemeClr val="accent1">
+              <a:shade val="50000"/>
+            </a:schemeClr>
+          </a:lnRef>
+          <a:fillRef idx="1">
+            <a:schemeClr val="accent1"/>
+          </a:fillRef>
+          <a:effectRef idx="0">
+            <a:schemeClr val="accent1"/>
+          </a:effectRef>
+          <a:fontRef idx="minor">
+            <a:schemeClr val="lt1"/>
+          </a:fontRef>
+        </p:style>
+        <p:txBody>
+          <a:bodyPr rtlCol="0" anchor="ctr"/>
+          <a:lstStyle/>
+          <a:p>
+            <a:pPr algn="ctr"/>
+            <a:endParaRPr lang="zh-CN" altLang="en-US" dirty="0"/>
+          </a:p>
+        </p:txBody>
+      </p:sp>
+      <p:sp>
+        <p:nvSpPr>
+          <p:cNvPr id="28" name="Rectangle 27"/>
+          <p:cNvSpPr/>
+          <p:nvPr/>
+        </p:nvSpPr>
+        <p:spPr>
+          <a:xfrm>
+            <a:off x="7728569" y="4536581"/>
+            <a:ext cx="1404000" cy="432000"/>
+          </a:xfrm>
+          <a:prstGeom prst="rect">
+            <a:avLst/>
+          </a:prstGeom>
+          <a:solidFill>
+            <a:schemeClr val="tx2">
+              <a:lumMod val="20000"/>
+              <a:lumOff val="80000"/>
+            </a:schemeClr>
+          </a:solidFill>
+        </p:spPr>
+        <p:style>
+          <a:lnRef idx="2">
+            <a:schemeClr val="accent1">
+              <a:shade val="50000"/>
+            </a:schemeClr>
+          </a:lnRef>
+          <a:fillRef idx="1">
+            <a:schemeClr val="accent1"/>
+          </a:fillRef>
+          <a:effectRef idx="0">
+            <a:schemeClr val="accent1"/>
+          </a:effectRef>
+          <a:fontRef idx="minor">
+            <a:schemeClr val="lt1"/>
+          </a:fontRef>
+        </p:style>
+        <p:txBody>
+          <a:bodyPr rtlCol="0" anchor="ctr"/>
+          <a:lstStyle/>
+          <a:p>
+            <a:pPr algn="ctr"/>
+            <a:endParaRPr lang="zh-CN" altLang="en-US" dirty="0"/>
+          </a:p>
+        </p:txBody>
+      </p:sp>
+      <p:pic>
+        <p:nvPicPr>
+          <p:cNvPr id="2" name="Picture 1"/>
+          <p:cNvPicPr>
+            <a:picLocks noChangeAspect="1"/>
+          </p:cNvPicPr>
+          <p:nvPr/>
+        </p:nvPicPr>
+        <p:blipFill>
+          <a:blip r:embed="rId8" cstate="print">
+            <a:biLevel thresh="50000"/>
+            <a:extLst>
+              <a:ext uri="{28A0092B-C50C-407E-A947-70E740481C1C}">
+                <a14:useLocalDpi xmlns:a14="http://schemas.microsoft.com/office/drawing/2010/main" val="0"/>
+              </a:ext>
+            </a:extLst>
+          </a:blip>
+          <a:stretch>
+            <a:fillRect/>
+          </a:stretch>
+        </p:blipFill>
+        <p:spPr>
+          <a:xfrm>
+            <a:off x="7318102" y="3500242"/>
+            <a:ext cx="349267" cy="349267"/>
+          </a:xfrm>
+          <a:prstGeom prst="rect">
+            <a:avLst/>
+          </a:prstGeom>
+        </p:spPr>
+      </p:pic>
+      <p:pic>
+        <p:nvPicPr>
+          <p:cNvPr id="6" name="Picture 5"/>
+          <p:cNvPicPr>
+            <a:picLocks noChangeAspect="1"/>
+          </p:cNvPicPr>
+          <p:nvPr/>
+        </p:nvPicPr>
+        <p:blipFill>
+          <a:blip r:embed="rId9" cstate="print">
+            <a:biLevel thresh="50000"/>
+            <a:extLst>
+              <a:ext uri="{28A0092B-C50C-407E-A947-70E740481C1C}">
+                <a14:useLocalDpi xmlns:a14="http://schemas.microsoft.com/office/drawing/2010/main" val="0"/>
+              </a:ext>
+            </a:extLst>
+          </a:blip>
+          <a:stretch>
+            <a:fillRect/>
+          </a:stretch>
+        </p:blipFill>
+        <p:spPr>
+          <a:xfrm>
+            <a:off x="7339800" y="4569043"/>
+            <a:ext cx="356602" cy="356602"/>
+          </a:xfrm>
+          <a:prstGeom prst="rect">
+            <a:avLst/>
+          </a:prstGeom>
+        </p:spPr>
+      </p:pic>
+      <p:pic>
+        <p:nvPicPr>
+          <p:cNvPr id="7" name="Picture 6"/>
+          <p:cNvPicPr>
+            <a:picLocks noChangeAspect="1"/>
+          </p:cNvPicPr>
+          <p:nvPr/>
+        </p:nvPicPr>
+        <p:blipFill>
+          <a:blip r:embed="rId10" cstate="print">
+            <a:biLevel thresh="50000"/>
+            <a:extLst>
+              <a:ext uri="{28A0092B-C50C-407E-A947-70E740481C1C}">
+                <a14:useLocalDpi xmlns:a14="http://schemas.microsoft.com/office/drawing/2010/main" val="0"/>
+              </a:ext>
+            </a:extLst>
+          </a:blip>
+          <a:stretch>
+            <a:fillRect/>
+          </a:stretch>
+        </p:blipFill>
+        <p:spPr>
+          <a:xfrm>
+            <a:off x="7326021" y="4041290"/>
+            <a:ext cx="360491" cy="360491"/>
+          </a:xfrm>
+          <a:prstGeom prst="rect">
+            <a:avLst/>
+          </a:prstGeom>
+        </p:spPr>
+      </p:pic>
     </p:spTree>
     <p:extLst>
       <p:ext uri="{BB962C8B-B14F-4D97-AF65-F5344CB8AC3E}">

--- a/UiMaking.pptx
+++ b/UiMaking.pptx
@@ -7022,36 +7022,6 @@
           </a:p>
         </p:txBody>
       </p:sp>
-      <p:pic>
-        <p:nvPicPr>
-          <p:cNvPr id="72" name="Picture 71"/>
-          <p:cNvPicPr>
-            <a:picLocks noChangeAspect="1"/>
-          </p:cNvPicPr>
-          <p:nvPr/>
-        </p:nvPicPr>
-        <p:blipFill>
-          <a:blip r:embed="rId15" cstate="print">
-            <a:extLst>
-              <a:ext uri="{28A0092B-C50C-407E-A947-70E740481C1C}">
-                <a14:useLocalDpi xmlns:a14="http://schemas.microsoft.com/office/drawing/2010/main" val="0"/>
-              </a:ext>
-            </a:extLst>
-          </a:blip>
-          <a:stretch>
-            <a:fillRect/>
-          </a:stretch>
-        </p:blipFill>
-        <p:spPr>
-          <a:xfrm>
-            <a:off x="141165" y="4534282"/>
-            <a:ext cx="709415" cy="709415"/>
-          </a:xfrm>
-          <a:prstGeom prst="rect">
-            <a:avLst/>
-          </a:prstGeom>
-        </p:spPr>
-      </p:pic>
       <p:sp>
         <p:nvSpPr>
           <p:cNvPr id="73" name="Rectangle 72"/>
@@ -7521,7 +7491,7 @@
           <p:nvPr/>
         </p:nvPicPr>
         <p:blipFill>
-          <a:blip r:embed="rId16" cstate="print">
+          <a:blip r:embed="rId15" cstate="print">
             <a:extLst>
               <a:ext uri="{28A0092B-C50C-407E-A947-70E740481C1C}">
                 <a14:useLocalDpi xmlns:a14="http://schemas.microsoft.com/office/drawing/2010/main" val="0"/>
@@ -7551,7 +7521,7 @@
           <p:nvPr/>
         </p:nvPicPr>
         <p:blipFill>
-          <a:blip r:embed="rId17">
+          <a:blip r:embed="rId16">
             <a:extLst>
               <a:ext uri="{28A0092B-C50C-407E-A947-70E740481C1C}">
                 <a14:useLocalDpi xmlns:a14="http://schemas.microsoft.com/office/drawing/2010/main" val="0"/>
@@ -7621,6 +7591,66 @@
       <p:pic>
         <p:nvPicPr>
           <p:cNvPr id="84" name="Picture 83"/>
+          <p:cNvPicPr>
+            <a:picLocks noChangeAspect="1"/>
+          </p:cNvPicPr>
+          <p:nvPr/>
+        </p:nvPicPr>
+        <p:blipFill>
+          <a:blip r:embed="rId17" cstate="print">
+            <a:extLst>
+              <a:ext uri="{28A0092B-C50C-407E-A947-70E740481C1C}">
+                <a14:useLocalDpi xmlns:a14="http://schemas.microsoft.com/office/drawing/2010/main" val="0"/>
+              </a:ext>
+            </a:extLst>
+          </a:blip>
+          <a:stretch>
+            <a:fillRect/>
+          </a:stretch>
+        </p:blipFill>
+        <p:spPr>
+          <a:xfrm>
+            <a:off x="2328784" y="4741276"/>
+            <a:ext cx="396000" cy="396000"/>
+          </a:xfrm>
+          <a:prstGeom prst="rect">
+            <a:avLst/>
+          </a:prstGeom>
+        </p:spPr>
+      </p:pic>
+      <p:pic>
+        <p:nvPicPr>
+          <p:cNvPr id="85" name="Picture 84"/>
+          <p:cNvPicPr>
+            <a:picLocks noChangeAspect="1"/>
+          </p:cNvPicPr>
+          <p:nvPr/>
+        </p:nvPicPr>
+        <p:blipFill>
+          <a:blip r:embed="rId16">
+            <a:extLst>
+              <a:ext uri="{28A0092B-C50C-407E-A947-70E740481C1C}">
+                <a14:useLocalDpi xmlns:a14="http://schemas.microsoft.com/office/drawing/2010/main" val="0"/>
+              </a:ext>
+            </a:extLst>
+          </a:blip>
+          <a:stretch>
+            <a:fillRect/>
+          </a:stretch>
+        </p:blipFill>
+        <p:spPr>
+          <a:xfrm flipH="1">
+            <a:off x="3186757" y="5214476"/>
+            <a:ext cx="1080000" cy="1080000"/>
+          </a:xfrm>
+          <a:prstGeom prst="rect">
+            <a:avLst/>
+          </a:prstGeom>
+        </p:spPr>
+      </p:pic>
+      <p:pic>
+        <p:nvPicPr>
+          <p:cNvPr id="59" name="Picture 58"/>
           <p:cNvPicPr>
             <a:picLocks noChangeAspect="1"/>
           </p:cNvPicPr>
@@ -7640,38 +7670,8 @@
         </p:blipFill>
         <p:spPr>
           <a:xfrm>
-            <a:off x="2328784" y="4741276"/>
-            <a:ext cx="396000" cy="396000"/>
-          </a:xfrm>
-          <a:prstGeom prst="rect">
-            <a:avLst/>
-          </a:prstGeom>
-        </p:spPr>
-      </p:pic>
-      <p:pic>
-        <p:nvPicPr>
-          <p:cNvPr id="85" name="Picture 84"/>
-          <p:cNvPicPr>
-            <a:picLocks noChangeAspect="1"/>
-          </p:cNvPicPr>
-          <p:nvPr/>
-        </p:nvPicPr>
-        <p:blipFill>
-          <a:blip r:embed="rId17">
-            <a:extLst>
-              <a:ext uri="{28A0092B-C50C-407E-A947-70E740481C1C}">
-                <a14:useLocalDpi xmlns:a14="http://schemas.microsoft.com/office/drawing/2010/main" val="0"/>
-              </a:ext>
-            </a:extLst>
-          </a:blip>
-          <a:stretch>
-            <a:fillRect/>
-          </a:stretch>
-        </p:blipFill>
-        <p:spPr>
-          <a:xfrm flipH="1">
-            <a:off x="3186757" y="5214476"/>
-            <a:ext cx="1080000" cy="1080000"/>
+            <a:off x="191815" y="4617306"/>
+            <a:ext cx="626391" cy="626391"/>
           </a:xfrm>
           <a:prstGeom prst="rect">
             <a:avLst/>
@@ -7754,7 +7754,7 @@
         <p:spPr>
           <a:xfrm>
             <a:off x="7257391" y="829603"/>
-            <a:ext cx="1845733" cy="4207346"/>
+            <a:ext cx="1845733" cy="4739924"/>
           </a:xfrm>
           <a:prstGeom prst="rect">
             <a:avLst/>
@@ -7799,7 +7799,7 @@
         </p:nvSpPr>
         <p:spPr>
           <a:xfrm>
-            <a:off x="5450766" y="289844"/>
+            <a:off x="5461157" y="289844"/>
             <a:ext cx="918880" cy="312450"/>
           </a:xfrm>
           <a:prstGeom prst="rect">
@@ -8468,7 +8468,7 @@
         </p:blipFill>
         <p:spPr>
           <a:xfrm>
-            <a:off x="7279199" y="1281931"/>
+            <a:off x="7279199" y="2333467"/>
             <a:ext cx="468000" cy="468000"/>
           </a:xfrm>
           <a:prstGeom prst="rect">
@@ -8505,7 +8505,7 @@
         </p:blipFill>
         <p:spPr>
           <a:xfrm>
-            <a:off x="7287666" y="1809200"/>
+            <a:off x="7287666" y="2860736"/>
             <a:ext cx="468000" cy="468000"/>
           </a:xfrm>
           <a:prstGeom prst="rect">
@@ -8521,7 +8521,7 @@
         </p:nvSpPr>
         <p:spPr>
           <a:xfrm>
-            <a:off x="7718612" y="1315203"/>
+            <a:off x="7718612" y="2366739"/>
             <a:ext cx="1404000" cy="432000"/>
           </a:xfrm>
           <a:prstGeom prst="rect">
@@ -8567,7 +8567,7 @@
         </p:nvSpPr>
         <p:spPr>
           <a:xfrm>
-            <a:off x="7719482" y="1837520"/>
+            <a:off x="7719482" y="2889056"/>
             <a:ext cx="1404000" cy="432000"/>
           </a:xfrm>
           <a:prstGeom prst="rect">
@@ -8613,7 +8613,7 @@
         </p:nvSpPr>
         <p:spPr>
           <a:xfrm>
-            <a:off x="7421683" y="1207428"/>
+            <a:off x="7421683" y="2258964"/>
             <a:ext cx="340158" cy="369332"/>
           </a:xfrm>
           <a:prstGeom prst="rect">
@@ -8655,7 +8655,7 @@
         </p:nvSpPr>
         <p:spPr>
           <a:xfrm>
-            <a:off x="7432904" y="1766194"/>
+            <a:off x="7432904" y="2817730"/>
             <a:ext cx="317716" cy="369332"/>
           </a:xfrm>
           <a:prstGeom prst="rect">
@@ -8712,7 +8712,7 @@
         </p:blipFill>
         <p:spPr>
           <a:xfrm>
-            <a:off x="7319205" y="2414900"/>
+            <a:off x="7319205" y="3466436"/>
             <a:ext cx="347182" cy="347182"/>
           </a:xfrm>
           <a:prstGeom prst="rect">
@@ -8728,7 +8728,7 @@
         </p:nvSpPr>
         <p:spPr>
           <a:xfrm>
-            <a:off x="7719482" y="2368099"/>
+            <a:off x="7719482" y="3419635"/>
             <a:ext cx="1404000" cy="432000"/>
           </a:xfrm>
           <a:prstGeom prst="rect">
@@ -8789,7 +8789,7 @@
         </p:blipFill>
         <p:spPr>
           <a:xfrm>
-            <a:off x="7310612" y="2941456"/>
+            <a:off x="7310612" y="3992992"/>
             <a:ext cx="367005" cy="367005"/>
           </a:xfrm>
           <a:prstGeom prst="rect">
@@ -8805,7 +8805,7 @@
         </p:nvSpPr>
         <p:spPr>
           <a:xfrm>
-            <a:off x="7720534" y="2913573"/>
+            <a:off x="7720534" y="3965109"/>
             <a:ext cx="1404000" cy="432000"/>
           </a:xfrm>
           <a:prstGeom prst="rect">
@@ -8851,7 +8851,7 @@
         </p:nvSpPr>
         <p:spPr>
           <a:xfrm>
-            <a:off x="7719370" y="3458876"/>
+            <a:off x="7719370" y="4510412"/>
             <a:ext cx="1404000" cy="432000"/>
           </a:xfrm>
           <a:prstGeom prst="rect">
@@ -8897,53 +8897,7 @@
         </p:nvSpPr>
         <p:spPr>
           <a:xfrm>
-            <a:off x="7720422" y="4004350"/>
-            <a:ext cx="1404000" cy="432000"/>
-          </a:xfrm>
-          <a:prstGeom prst="rect">
-            <a:avLst/>
-          </a:prstGeom>
-          <a:solidFill>
-            <a:schemeClr val="tx2">
-              <a:lumMod val="20000"/>
-              <a:lumOff val="80000"/>
-            </a:schemeClr>
-          </a:solidFill>
-        </p:spPr>
-        <p:style>
-          <a:lnRef idx="2">
-            <a:schemeClr val="accent1">
-              <a:shade val="50000"/>
-            </a:schemeClr>
-          </a:lnRef>
-          <a:fillRef idx="1">
-            <a:schemeClr val="accent1"/>
-          </a:fillRef>
-          <a:effectRef idx="0">
-            <a:schemeClr val="accent1"/>
-          </a:effectRef>
-          <a:fontRef idx="minor">
-            <a:schemeClr val="lt1"/>
-          </a:fontRef>
-        </p:style>
-        <p:txBody>
-          <a:bodyPr rtlCol="0" anchor="ctr"/>
-          <a:lstStyle/>
-          <a:p>
-            <a:pPr algn="ctr"/>
-            <a:endParaRPr lang="zh-CN" altLang="en-US" dirty="0"/>
-          </a:p>
-        </p:txBody>
-      </p:sp>
-      <p:sp>
-        <p:nvSpPr>
-          <p:cNvPr id="28" name="Rectangle 27"/>
-          <p:cNvSpPr/>
-          <p:nvPr/>
-        </p:nvSpPr>
-        <p:spPr>
-          <a:xfrm>
-            <a:off x="7728569" y="4536581"/>
+            <a:off x="7720422" y="5055886"/>
             <a:ext cx="1404000" cy="432000"/>
           </a:xfrm>
           <a:prstGeom prst="rect">
@@ -9004,7 +8958,7 @@
         </p:blipFill>
         <p:spPr>
           <a:xfrm>
-            <a:off x="7318102" y="3500242"/>
+            <a:off x="7318102" y="4551778"/>
             <a:ext cx="349267" cy="349267"/>
           </a:xfrm>
           <a:prstGeom prst="rect">
@@ -9035,7 +8989,7 @@
         </p:blipFill>
         <p:spPr>
           <a:xfrm>
-            <a:off x="7339800" y="4569043"/>
+            <a:off x="7339800" y="5090639"/>
             <a:ext cx="356602" cy="356602"/>
           </a:xfrm>
           <a:prstGeom prst="rect">
@@ -9043,9 +8997,55 @@
           </a:prstGeom>
         </p:spPr>
       </p:pic>
+      <p:sp>
+        <p:nvSpPr>
+          <p:cNvPr id="29" name="Rectangle 28"/>
+          <p:cNvSpPr/>
+          <p:nvPr/>
+        </p:nvSpPr>
+        <p:spPr>
+          <a:xfrm>
+            <a:off x="7723066" y="1320682"/>
+            <a:ext cx="1404000" cy="432000"/>
+          </a:xfrm>
+          <a:prstGeom prst="rect">
+            <a:avLst/>
+          </a:prstGeom>
+          <a:solidFill>
+            <a:schemeClr val="tx2">
+              <a:lumMod val="20000"/>
+              <a:lumOff val="80000"/>
+            </a:schemeClr>
+          </a:solidFill>
+        </p:spPr>
+        <p:style>
+          <a:lnRef idx="2">
+            <a:schemeClr val="accent1">
+              <a:shade val="50000"/>
+            </a:schemeClr>
+          </a:lnRef>
+          <a:fillRef idx="1">
+            <a:schemeClr val="accent1"/>
+          </a:fillRef>
+          <a:effectRef idx="0">
+            <a:schemeClr val="accent1"/>
+          </a:effectRef>
+          <a:fontRef idx="minor">
+            <a:schemeClr val="lt1"/>
+          </a:fontRef>
+        </p:style>
+        <p:txBody>
+          <a:bodyPr rtlCol="0" anchor="ctr"/>
+          <a:lstStyle/>
+          <a:p>
+            <a:pPr algn="ctr"/>
+            <a:endParaRPr lang="zh-CN" altLang="en-US" dirty="0"/>
+          </a:p>
+        </p:txBody>
+      </p:sp>
       <p:pic>
         <p:nvPicPr>
-          <p:cNvPr id="7" name="Picture 6"/>
+          <p:cNvPr id="31" name="Picture 30"/>
           <p:cNvPicPr>
             <a:picLocks noChangeAspect="1"/>
           </p:cNvPicPr>
@@ -9053,7 +9053,6 @@
         </p:nvPicPr>
         <p:blipFill>
           <a:blip r:embed="rId10" cstate="print">
-            <a:biLevel thresh="50000"/>
             <a:extLst>
               <a:ext uri="{28A0092B-C50C-407E-A947-70E740481C1C}">
                 <a14:useLocalDpi xmlns:a14="http://schemas.microsoft.com/office/drawing/2010/main" val="0"/>
@@ -9066,14 +9065,90 @@
         </p:blipFill>
         <p:spPr>
           <a:xfrm>
-            <a:off x="7326021" y="4041290"/>
-            <a:ext cx="360491" cy="360491"/>
+            <a:off x="7288843" y="1381701"/>
+            <a:ext cx="417398" cy="304670"/>
           </a:xfrm>
           <a:prstGeom prst="rect">
             <a:avLst/>
           </a:prstGeom>
         </p:spPr>
       </p:pic>
+      <p:pic>
+        <p:nvPicPr>
+          <p:cNvPr id="3" name="Picture 2"/>
+          <p:cNvPicPr>
+            <a:picLocks noChangeAspect="1"/>
+          </p:cNvPicPr>
+          <p:nvPr/>
+        </p:nvPicPr>
+        <p:blipFill>
+          <a:blip r:embed="rId11" cstate="print">
+            <a:extLst>
+              <a:ext uri="{28A0092B-C50C-407E-A947-70E740481C1C}">
+                <a14:useLocalDpi xmlns:a14="http://schemas.microsoft.com/office/drawing/2010/main" val="0"/>
+              </a:ext>
+            </a:extLst>
+          </a:blip>
+          <a:stretch>
+            <a:fillRect/>
+          </a:stretch>
+        </p:blipFill>
+        <p:spPr>
+          <a:xfrm>
+            <a:off x="7328442" y="1878808"/>
+            <a:ext cx="364972" cy="364972"/>
+          </a:xfrm>
+          <a:prstGeom prst="rect">
+            <a:avLst/>
+          </a:prstGeom>
+        </p:spPr>
+      </p:pic>
+      <p:sp>
+        <p:nvSpPr>
+          <p:cNvPr id="33" name="Rectangle 32"/>
+          <p:cNvSpPr/>
+          <p:nvPr/>
+        </p:nvSpPr>
+        <p:spPr>
+          <a:xfrm>
+            <a:off x="7718612" y="1846859"/>
+            <a:ext cx="1404000" cy="432000"/>
+          </a:xfrm>
+          <a:prstGeom prst="rect">
+            <a:avLst/>
+          </a:prstGeom>
+          <a:solidFill>
+            <a:schemeClr val="tx2">
+              <a:lumMod val="20000"/>
+              <a:lumOff val="80000"/>
+            </a:schemeClr>
+          </a:solidFill>
+        </p:spPr>
+        <p:style>
+          <a:lnRef idx="2">
+            <a:schemeClr val="accent1">
+              <a:shade val="50000"/>
+            </a:schemeClr>
+          </a:lnRef>
+          <a:fillRef idx="1">
+            <a:schemeClr val="accent1"/>
+          </a:fillRef>
+          <a:effectRef idx="0">
+            <a:schemeClr val="accent1"/>
+          </a:effectRef>
+          <a:fontRef idx="minor">
+            <a:schemeClr val="lt1"/>
+          </a:fontRef>
+        </p:style>
+        <p:txBody>
+          <a:bodyPr rtlCol="0" anchor="ctr"/>
+          <a:lstStyle/>
+          <a:p>
+            <a:pPr algn="ctr"/>
+            <a:endParaRPr lang="zh-CN" altLang="en-US" dirty="0"/>
+          </a:p>
+        </p:txBody>
+      </p:sp>
     </p:spTree>
     <p:extLst>
       <p:ext uri="{BB962C8B-B14F-4D97-AF65-F5344CB8AC3E}">
